--- a/ML_UseCases.pptx
+++ b/ML_UseCases.pptx
@@ -238,7 +238,7 @@
           <a:p>
             <a:fld id="{334DEBBB-BBB0-4895-99C5-81410B39E879}" type="datetimeFigureOut">
               <a:rPr lang="en-US" smtClean="0"/>
-              <a:t>2/9/2018</a:t>
+              <a:t>2/10/2018</a:t>
             </a:fld>
             <a:endParaRPr lang="en-US"/>
           </a:p>
